--- a/02_UseCaseDiagram.pptx
+++ b/02_UseCaseDiagram.pptx
@@ -246,7 +246,7 @@
   </p:defaultTextStyle>
   <p:extLst>
     <p:ext uri="{EFAFB233-063F-42B5-8137-9DF3F51BA10A}">
-      <p15:sldGuideLst xmlns:p15="http://schemas.microsoft.com/office/powerpoint/2012/main" xmlns:p14="http://schemas.microsoft.com/office/powerpoint/2010/main" xmlns:com="http://schemas.openxmlformats.org/drawingml/2006/compatibility" xmlns:pvml="urn:schemas-microsoft-com:office:powerpoint" xmlns:v="urn:schemas-microsoft-com:vml" xmlns:o="urn:schemas-microsoft-com:office:office" xmlns:dgm="http://schemas.openxmlformats.org/drawingml/2006/diagram" xmlns:c="http://schemas.openxmlformats.org/drawingml/2006/chart" xmlns:mv="urn:schemas-microsoft-com:mac:vml" xmlns:mc="http://schemas.openxmlformats.org/markup-compatibility/2006" xmlns="">
+      <p15:sldGuideLst xmlns="" xmlns:mc="http://schemas.openxmlformats.org/markup-compatibility/2006" xmlns:mv="urn:schemas-microsoft-com:mac:vml" xmlns:c="http://schemas.openxmlformats.org/drawingml/2006/chart" xmlns:dgm="http://schemas.openxmlformats.org/drawingml/2006/diagram" xmlns:o="urn:schemas-microsoft-com:office:office" xmlns:v="urn:schemas-microsoft-com:vml" xmlns:pvml="urn:schemas-microsoft-com:office:powerpoint" xmlns:com="http://schemas.openxmlformats.org/drawingml/2006/compatibility" xmlns:p14="http://schemas.microsoft.com/office/powerpoint/2010/main" xmlns:p15="http://schemas.microsoft.com/office/powerpoint/2012/main">
         <p15:guide id="1" orient="horz" pos="2160">
           <p15:clr>
             <a:srgbClr val="A4A3A4"/>
@@ -5960,7 +5960,7 @@
       </p:sp>
       <p:pic>
         <p:nvPicPr>
-          <p:cNvPr id="1026" name="Picture 2" descr="C:\Users\shin5\Desktop\새 폴더\유저1.JPG"/>
+          <p:cNvPr id="2" name="Picture 2" descr="C:\Users\shin5\Desktop\project\유저 usecase_1.PNG"/>
           <p:cNvPicPr>
             <a:picLocks noChangeAspect="1" noChangeArrowheads="1"/>
           </p:cNvPicPr>
@@ -5981,8 +5981,8 @@
         </p:blipFill>
         <p:spPr bwMode="auto">
           <a:xfrm>
-            <a:off x="1364492" y="1714783"/>
-            <a:ext cx="7834312" cy="4687253"/>
+            <a:off x="1603483" y="1511822"/>
+            <a:ext cx="6572542" cy="5346178"/>
           </a:xfrm>
           <a:prstGeom prst="rect">
             <a:avLst/>
@@ -6056,29 +6056,24 @@
           </a:bodyPr>
           <a:lstStyle/>
           <a:p>
-            <a:pPr marL="0" lvl="0" indent="0" algn="l" rtl="0">
+            <a:pPr lvl="0">
               <a:lnSpc>
                 <a:spcPct val="90000"/>
               </a:lnSpc>
               <a:spcBef>
                 <a:spcPts val="0"/>
               </a:spcBef>
-              <a:spcAft>
-                <a:spcPts val="0"/>
-              </a:spcAft>
               <a:buClr>
                 <a:schemeClr val="lt1"/>
               </a:buClr>
               <a:buSzPts val="3600"/>
-              <a:buFont typeface="Arial"/>
-              <a:buNone/>
             </a:pPr>
             <a:r>
-              <a:rPr lang="ko-KR" dirty="0">
+              <a:rPr lang="ko-KR" altLang="ko-KR" dirty="0">
                 <a:latin typeface="나눔바른고딕" panose="020B0603020101020101" pitchFamily="50" charset="-127"/>
                 <a:ea typeface="나눔바른고딕" panose="020B0603020101020101" pitchFamily="50" charset="-127"/>
               </a:rPr>
-              <a:t>Use Case Diagram - User</a:t>
+              <a:t>Use Case Diagram - Manager</a:t>
             </a:r>
             <a:endParaRPr dirty="0">
               <a:latin typeface="나눔바른고딕" panose="020B0603020101020101" pitchFamily="50" charset="-127"/>
@@ -6089,7 +6084,7 @@
       </p:sp>
       <p:pic>
         <p:nvPicPr>
-          <p:cNvPr id="2051" name="Picture 3" descr="C:\Users\shin5\Desktop\새 폴더\유저2.JPG"/>
+          <p:cNvPr id="2050" name="Picture 2" descr="C:\Users\shin5\Desktop\project\관리자 usecase_1.PNG"/>
           <p:cNvPicPr>
             <a:picLocks noChangeAspect="1" noChangeArrowheads="1"/>
           </p:cNvPicPr>
@@ -6110,8 +6105,8 @@
         </p:blipFill>
         <p:spPr bwMode="auto">
           <a:xfrm>
-            <a:off x="1345252" y="1593639"/>
-            <a:ext cx="7063740" cy="4808220"/>
+            <a:off x="1793368" y="1517457"/>
+            <a:ext cx="6046088" cy="5230246"/>
           </a:xfrm>
           <a:prstGeom prst="rect">
             <a:avLst/>
@@ -6223,7 +6218,7 @@
       </p:sp>
       <p:pic>
         <p:nvPicPr>
-          <p:cNvPr id="3074" name="Picture 2" descr="C:\Users\shin5\Desktop\새 폴더\관리자1.JPG"/>
+          <p:cNvPr id="2" name="Picture 2" descr="C:\Users\shin5\Desktop\project\관리자 usecase_2.PNG"/>
           <p:cNvPicPr>
             <a:picLocks noChangeAspect="1" noChangeArrowheads="1"/>
           </p:cNvPicPr>
@@ -6244,8 +6239,8 @@
         </p:blipFill>
         <p:spPr bwMode="auto">
           <a:xfrm>
-            <a:off x="1389345" y="1585982"/>
-            <a:ext cx="5934551" cy="5084445"/>
+            <a:off x="1439355" y="1549420"/>
+            <a:ext cx="6973126" cy="5308580"/>
           </a:xfrm>
           <a:prstGeom prst="rect">
             <a:avLst/>
@@ -6352,7 +6347,7 @@
       </p:sp>
       <p:pic>
         <p:nvPicPr>
-          <p:cNvPr id="4098" name="Picture 2" descr="C:\Users\shin5\Desktop\새 폴더\관리자2.JPG"/>
+          <p:cNvPr id="2" name="Picture 2" descr="C:\Users\shin5\Desktop\project\관리자 usecase_3.PNG"/>
           <p:cNvPicPr>
             <a:picLocks noChangeAspect="1" noChangeArrowheads="1"/>
           </p:cNvPicPr>
@@ -6373,8 +6368,8 @@
         </p:blipFill>
         <p:spPr bwMode="auto">
           <a:xfrm>
-            <a:off x="1658771" y="1441450"/>
-            <a:ext cx="5391150" cy="5086350"/>
+            <a:off x="2328292" y="1507195"/>
+            <a:ext cx="5047868" cy="5277314"/>
           </a:xfrm>
           <a:prstGeom prst="rect">
             <a:avLst/>
